--- a/Paper/Diagram2.pptx
+++ b/Paper/Diagram2.pptx
@@ -514,7 +514,7 @@
                   <c:v>2.8536286647425188E-3</c:v>
                 </c:pt>
                 <c:pt idx="30">
-                  <c:v>2.2706032775822725E-4</c:v>
+                  <c:v>2.2706003178727977E-4</c:v>
                 </c:pt>
                 <c:pt idx="31">
                   <c:v>1.7837737822963445E-3</c:v>
@@ -592,10 +592,10 @@
                   <c:v>1.4998612969947683E-3</c:v>
                 </c:pt>
                 <c:pt idx="56">
-                  <c:v>5.0258081217359983E-4</c:v>
+                  <c:v>5.0258137493246896E-4</c:v>
                 </c:pt>
                 <c:pt idx="57">
-                  <c:v>2.2099087972639177E-3</c:v>
+                  <c:v>2.2099119640255874E-3</c:v>
                 </c:pt>
                 <c:pt idx="58">
                   <c:v>-5.0034209552017768E-4</c:v>
@@ -616,7 +616,7 @@
                   <c:v>3.4850642701108967E-3</c:v>
                 </c:pt>
                 <c:pt idx="64">
-                  <c:v>1.1101168965373057E-3</c:v>
+                  <c:v>1.1101228697890844E-3</c:v>
                 </c:pt>
                 <c:pt idx="65">
                   <c:v>2.0804779925675909E-3</c:v>
@@ -640,7 +640,7 @@
                   <c:v>2.3918951864411076E-3</c:v>
                 </c:pt>
                 <c:pt idx="72">
-                  <c:v>-2.238935327890939E-4</c:v>
+                  <c:v>-2.2389323668493629E-4</c:v>
                 </c:pt>
                 <c:pt idx="73">
                   <c:v>1.4667497933430005E-3</c:v>
@@ -655,7 +655,7 @@
                   <c:v>1.5061072169504424E-3</c:v>
                 </c:pt>
                 <c:pt idx="77">
-                  <c:v>1.6005354395659546E-4</c:v>
+                  <c:v>1.6005372645133505E-4</c:v>
                 </c:pt>
                 <c:pt idx="78">
                   <c:v>7.1688168894572355E-4</c:v>
@@ -1057,7 +1057,7 @@
                   <c:v>2.8536286647425188E-3</c:v>
                 </c:pt>
                 <c:pt idx="30">
-                  <c:v>2.2706032775822725E-4</c:v>
+                  <c:v>2.2706003178727977E-4</c:v>
                 </c:pt>
                 <c:pt idx="31">
                   <c:v>1.7837737822963445E-3</c:v>
@@ -1135,10 +1135,10 @@
                   <c:v>1.4998612969947683E-3</c:v>
                 </c:pt>
                 <c:pt idx="56">
-                  <c:v>5.0258081217359983E-4</c:v>
+                  <c:v>5.0258137493246896E-4</c:v>
                 </c:pt>
                 <c:pt idx="57">
-                  <c:v>2.2099087972639177E-3</c:v>
+                  <c:v>2.2099119640255874E-3</c:v>
                 </c:pt>
                 <c:pt idx="58">
                   <c:v>-5.0034209552017768E-4</c:v>
@@ -1159,7 +1159,7 @@
                   <c:v>3.4850642701108967E-3</c:v>
                 </c:pt>
                 <c:pt idx="64">
-                  <c:v>1.1101168965373057E-3</c:v>
+                  <c:v>1.1101228697890844E-3</c:v>
                 </c:pt>
                 <c:pt idx="65">
                   <c:v>2.0804779925675909E-3</c:v>
@@ -1183,7 +1183,7 @@
                   <c:v>2.3918951864411076E-3</c:v>
                 </c:pt>
                 <c:pt idx="72">
-                  <c:v>-2.238935327890939E-4</c:v>
+                  <c:v>-2.2389323668493629E-4</c:v>
                 </c:pt>
                 <c:pt idx="73">
                   <c:v>1.4667497933430005E-3</c:v>
@@ -1198,7 +1198,7 @@
                   <c:v>1.5061072169504424E-3</c:v>
                 </c:pt>
                 <c:pt idx="77">
-                  <c:v>1.6005354395659546E-4</c:v>
+                  <c:v>1.6005372645133505E-4</c:v>
                 </c:pt>
                 <c:pt idx="78">
                   <c:v>7.1688168894572355E-4</c:v>
@@ -1287,109 +1287,109 @@
                   <c:v>5.4738649447046567E-3</c:v>
                 </c:pt>
                 <c:pt idx="14">
-                  <c:v>2.1471190571562358E-2</c:v>
+                  <c:v>2.1470964902877837E-2</c:v>
                 </c:pt>
                 <c:pt idx="15">
-                  <c:v>2.8025270061117847E-3</c:v>
+                  <c:v>2.8025808126046462E-3</c:v>
                 </c:pt>
                 <c:pt idx="16">
-                  <c:v>2.6243655874497356E-3</c:v>
+                  <c:v>2.6244070426455521E-3</c:v>
                 </c:pt>
                 <c:pt idx="17">
-                  <c:v>2.6564151395176605E-3</c:v>
+                  <c:v>2.6564346291130009E-3</c:v>
                 </c:pt>
                 <c:pt idx="18">
                   <c:v>6.0117419327391456E-3</c:v>
                 </c:pt>
                 <c:pt idx="19">
-                  <c:v>6.1669075020508194E-3</c:v>
+                  <c:v>6.1668045320528442E-3</c:v>
                 </c:pt>
                 <c:pt idx="20">
-                  <c:v>3.6470224406095755E-3</c:v>
+                  <c:v>3.6470469846427984E-3</c:v>
                 </c:pt>
                 <c:pt idx="21">
                   <c:v>7.6228746378000107E-3</c:v>
                 </c:pt>
                 <c:pt idx="22">
-                  <c:v>6.0375680404354592E-2</c:v>
+                  <c:v>6.037561965396579E-2</c:v>
                 </c:pt>
                 <c:pt idx="23">
-                  <c:v>3.835819352467161E-2</c:v>
+                  <c:v>3.8358136088727048E-2</c:v>
                 </c:pt>
                 <c:pt idx="24">
-                  <c:v>2.3410762700260164E-2</c:v>
+                  <c:v>2.3410653156237162E-2</c:v>
                 </c:pt>
                 <c:pt idx="25">
-                  <c:v>1.338461619105529E-2</c:v>
+                  <c:v>1.3384563772461366E-2</c:v>
                 </c:pt>
                 <c:pt idx="26">
-                  <c:v>7.6454174823904573E-3</c:v>
+                  <c:v>7.6453670252487537E-3</c:v>
                 </c:pt>
                 <c:pt idx="27">
-                  <c:v>5.3419481746209497E-3</c:v>
+                  <c:v>5.3418994848623532E-3</c:v>
                 </c:pt>
                 <c:pt idx="28">
-                  <c:v>7.3483364847830007E-3</c:v>
+                  <c:v>7.3468733117233922E-3</c:v>
                 </c:pt>
                 <c:pt idx="29">
-                  <c:v>3.0233619423768294E-3</c:v>
+                  <c:v>3.0240993214846316E-3</c:v>
                 </c:pt>
                 <c:pt idx="30">
-                  <c:v>3.002773247777998E-3</c:v>
+                  <c:v>3.0034243838624802E-3</c:v>
                 </c:pt>
                 <c:pt idx="31">
-                  <c:v>2.8948876757761421E-3</c:v>
+                  <c:v>2.8954163258265025E-3</c:v>
                 </c:pt>
                 <c:pt idx="32">
-                  <c:v>8.6912920545701901E-3</c:v>
+                  <c:v>8.691100146276767E-3</c:v>
                 </c:pt>
                 <c:pt idx="33">
-                  <c:v>1.1398004175709457E-2</c:v>
+                  <c:v>1.1395497376445704E-2</c:v>
                 </c:pt>
                 <c:pt idx="34">
-                  <c:v>7.9163813688894122E-3</c:v>
+                  <c:v>7.9157923670266934E-3</c:v>
                 </c:pt>
                 <c:pt idx="35">
-                  <c:v>1.3251948907513815E-2</c:v>
+                  <c:v>1.3251729312300993E-2</c:v>
                 </c:pt>
                 <c:pt idx="36">
-                  <c:v>2.0607492466522832E-2</c:v>
+                  <c:v>2.0607611337957431E-2</c:v>
                 </c:pt>
                 <c:pt idx="37">
-                  <c:v>1.2071592421624989E-2</c:v>
+                  <c:v>1.2071705700773129E-2</c:v>
                 </c:pt>
                 <c:pt idx="38">
                   <c:v>7.1963677639046543E-3</c:v>
                 </c:pt>
                 <c:pt idx="39">
-                  <c:v>5.0002139249488665E-3</c:v>
+                  <c:v>5.0000939182702339E-3</c:v>
                 </c:pt>
                 <c:pt idx="40">
-                  <c:v>4.5321175747933175E-3</c:v>
+                  <c:v>4.5319061093377095E-3</c:v>
                 </c:pt>
                 <c:pt idx="41">
-                  <c:v>4.4660033086804211E-3</c:v>
+                  <c:v>4.4657648890618915E-3</c:v>
                 </c:pt>
                 <c:pt idx="42">
                   <c:v>6.3523286900239199E-3</c:v>
                 </c:pt>
                 <c:pt idx="43">
-                  <c:v>3.1537438489160794E-3</c:v>
+                  <c:v>3.1537470154972482E-3</c:v>
                 </c:pt>
                 <c:pt idx="44">
-                  <c:v>3.0693183669238404E-3</c:v>
+                  <c:v>3.0693479838291701E-3</c:v>
                 </c:pt>
                 <c:pt idx="45">
-                  <c:v>2.8882157057100537E-3</c:v>
+                  <c:v>2.8882435487643256E-3</c:v>
                 </c:pt>
                 <c:pt idx="46">
-                  <c:v>8.502810587505516E-3</c:v>
+                  <c:v>8.5027892709525731E-3</c:v>
                 </c:pt>
                 <c:pt idx="47">
-                  <c:v>2.7233242784380305E-2</c:v>
+                  <c:v>2.7233276740237691E-2</c:v>
                 </c:pt>
                 <c:pt idx="48">
-                  <c:v>1.9876396331384605E-2</c:v>
+                  <c:v>1.9876420710806423E-2</c:v>
                 </c:pt>
                 <c:pt idx="49">
                   <c:v>2.1063363780525327E-2</c:v>
@@ -1398,40 +1398,40 @@
                   <c:v>1.1486792948281831E-2</c:v>
                 </c:pt>
                 <c:pt idx="51">
-                  <c:v>6.7935467750911424E-3</c:v>
+                  <c:v>6.7934899885291151E-3</c:v>
                 </c:pt>
                 <c:pt idx="52">
-                  <c:v>4.8029471439683634E-3</c:v>
+                  <c:v>4.8028764299196582E-3</c:v>
                 </c:pt>
                 <c:pt idx="53">
-                  <c:v>4.2964682413272684E-3</c:v>
+                  <c:v>4.2963690199539399E-3</c:v>
                 </c:pt>
                 <c:pt idx="54">
-                  <c:v>4.3116735927465049E-3</c:v>
+                  <c:v>4.3115728497670315E-3</c:v>
                 </c:pt>
                 <c:pt idx="55">
-                  <c:v>4.3130015817009369E-3</c:v>
+                  <c:v>4.3129188465750087E-3</c:v>
                 </c:pt>
                 <c:pt idx="56">
-                  <c:v>6.1719453448586346E-3</c:v>
+                  <c:v>6.1720016207455425E-3</c:v>
                 </c:pt>
                 <c:pt idx="57">
-                  <c:v>3.2217366520995629E-3</c:v>
+                  <c:v>3.2217049844828678E-3</c:v>
                 </c:pt>
                 <c:pt idx="58">
-                  <c:v>3.0806071825249907E-3</c:v>
+                  <c:v>3.0805479452054797E-3</c:v>
                 </c:pt>
                 <c:pt idx="59">
-                  <c:v>2.8615144722736576E-3</c:v>
+                  <c:v>2.8614866275912957E-3</c:v>
                 </c:pt>
                 <c:pt idx="60">
                   <c:v>7.84513227174863E-3</c:v>
                 </c:pt>
                 <c:pt idx="61">
-                  <c:v>2.73320504858191E-2</c:v>
+                  <c:v>2.7332152299113885E-2</c:v>
                 </c:pt>
                 <c:pt idx="62">
-                  <c:v>1.9636085895130759E-2</c:v>
+                  <c:v>1.9636134621662842E-2</c:v>
                 </c:pt>
                 <c:pt idx="63">
                   <c:v>2.0088252038509318E-2</c:v>
@@ -1440,37 +1440,37 @@
                   <c:v>6.5249413128012756E-3</c:v>
                 </c:pt>
                 <c:pt idx="65">
-                  <c:v>4.5409009807598332E-3</c:v>
+                  <c:v>4.5409350743809166E-3</c:v>
                 </c:pt>
                 <c:pt idx="66">
-                  <c:v>4.1305862121508961E-3</c:v>
+                  <c:v>4.1306188641459327E-3</c:v>
                 </c:pt>
                 <c:pt idx="67">
-                  <c:v>4.0782768131385951E-3</c:v>
+                  <c:v>4.0783133788838046E-3</c:v>
                 </c:pt>
                 <c:pt idx="68">
-                  <c:v>4.0976920867948673E-3</c:v>
+                  <c:v>4.0977223148656611E-3</c:v>
                 </c:pt>
                 <c:pt idx="69">
-                  <c:v>4.1149080112917354E-3</c:v>
+                  <c:v>4.1149323469288424E-3</c:v>
                 </c:pt>
                 <c:pt idx="70">
-                  <c:v>6.4632760734816023E-3</c:v>
+                  <c:v>6.463557310474391E-3</c:v>
                 </c:pt>
                 <c:pt idx="71">
-                  <c:v>2.5351716233373541E-3</c:v>
+                  <c:v>2.5351272966751834E-3</c:v>
                 </c:pt>
                 <c:pt idx="72">
-                  <c:v>2.4727391707306963E-3</c:v>
+                  <c:v>2.4726947551070564E-3</c:v>
                 </c:pt>
                 <c:pt idx="73">
-                  <c:v>2.433573343056186E-3</c:v>
+                  <c:v>2.4335371606859064E-3</c:v>
                 </c:pt>
                 <c:pt idx="74">
-                  <c:v>3.857862082020806E-3</c:v>
+                  <c:v>3.8578833518735549E-3</c:v>
                 </c:pt>
                 <c:pt idx="75">
-                  <c:v>7.1495280607430942E-3</c:v>
+                  <c:v>7.1498025437714647E-3</c:v>
                 </c:pt>
                 <c:pt idx="76">
                   <c:v>3.9525908103264134E-3</c:v>
@@ -1485,7 +1485,7 @@
                   <c:v>5.8685144690881208E-3</c:v>
                 </c:pt>
                 <c:pt idx="80">
-                  <c:v>5.3124276246758403E-3</c:v>
+                  <c:v>5.3124221880317714E-3</c:v>
                 </c:pt>
                 <c:pt idx="81">
                   <c:v>5.239652950598154E-3</c:v>
@@ -1494,7 +1494,7 @@
                   <c:v>5.3095488460783774E-3</c:v>
                 </c:pt>
                 <c:pt idx="83">
-                  <c:v>5.3368397003708901E-3</c:v>
+                  <c:v>5.3368883098954415E-3</c:v>
                 </c:pt>
               </c:numCache>
             </c:numRef>
@@ -1596,7 +1596,7 @@
                   <c:v>2.8536286647425188E-3</c:v>
                 </c:pt>
                 <c:pt idx="30">
-                  <c:v>2.2706032775822725E-4</c:v>
+                  <c:v>2.2706003178727977E-4</c:v>
                 </c:pt>
                 <c:pt idx="31">
                   <c:v>1.7837737822963445E-3</c:v>
@@ -1674,10 +1674,10 @@
                   <c:v>1.4998612969947683E-3</c:v>
                 </c:pt>
                 <c:pt idx="56">
-                  <c:v>5.0258081217359983E-4</c:v>
+                  <c:v>5.0258137493246896E-4</c:v>
                 </c:pt>
                 <c:pt idx="57">
-                  <c:v>2.2099087972639177E-3</c:v>
+                  <c:v>2.2099119640255874E-3</c:v>
                 </c:pt>
                 <c:pt idx="58">
                   <c:v>-5.0034209552017768E-4</c:v>
@@ -1698,7 +1698,7 @@
                   <c:v>3.4850642701108967E-3</c:v>
                 </c:pt>
                 <c:pt idx="64">
-                  <c:v>1.1101168965373057E-3</c:v>
+                  <c:v>1.1101228697890844E-3</c:v>
                 </c:pt>
                 <c:pt idx="65">
                   <c:v>2.0804779925675909E-3</c:v>
@@ -1722,7 +1722,7 @@
                   <c:v>2.3918951864411076E-3</c:v>
                 </c:pt>
                 <c:pt idx="72">
-                  <c:v>-2.238935327890939E-4</c:v>
+                  <c:v>-2.2389323668493629E-4</c:v>
                 </c:pt>
                 <c:pt idx="73">
                   <c:v>1.4667497933430005E-3</c:v>
@@ -1737,7 +1737,7 @@
                   <c:v>1.5061072169504424E-3</c:v>
                 </c:pt>
                 <c:pt idx="77">
-                  <c:v>1.6005354395659546E-4</c:v>
+                  <c:v>1.6005372645133505E-4</c:v>
                 </c:pt>
                 <c:pt idx="78">
                   <c:v>7.1688168894572355E-4</c:v>
@@ -2138,7 +2138,7 @@
                   <c:v>2.8536286647425188E-3</c:v>
                 </c:pt>
                 <c:pt idx="30">
-                  <c:v>2.2706032775822725E-4</c:v>
+                  <c:v>2.2706003178727977E-4</c:v>
                 </c:pt>
                 <c:pt idx="31">
                   <c:v>1.7837737822963445E-3</c:v>
@@ -2216,10 +2216,10 @@
                   <c:v>1.4998612969947683E-3</c:v>
                 </c:pt>
                 <c:pt idx="56">
-                  <c:v>5.0258081217359983E-4</c:v>
+                  <c:v>5.0258137493246896E-4</c:v>
                 </c:pt>
                 <c:pt idx="57">
-                  <c:v>2.2099087972639177E-3</c:v>
+                  <c:v>2.2099119640255874E-3</c:v>
                 </c:pt>
                 <c:pt idx="58">
                   <c:v>-5.0034209552017768E-4</c:v>
@@ -2240,7 +2240,7 @@
                   <c:v>3.4850642701108967E-3</c:v>
                 </c:pt>
                 <c:pt idx="64">
-                  <c:v>1.1101168965373057E-3</c:v>
+                  <c:v>1.1101228697890844E-3</c:v>
                 </c:pt>
                 <c:pt idx="65">
                   <c:v>2.0804779925675909E-3</c:v>
@@ -2264,7 +2264,7 @@
                   <c:v>2.3918951864411076E-3</c:v>
                 </c:pt>
                 <c:pt idx="72">
-                  <c:v>-2.238935327890939E-4</c:v>
+                  <c:v>-2.2389323668493629E-4</c:v>
                 </c:pt>
                 <c:pt idx="73">
                   <c:v>1.4667497933430005E-3</c:v>
@@ -2279,7 +2279,7 @@
                   <c:v>1.5061072169504424E-3</c:v>
                 </c:pt>
                 <c:pt idx="77">
-                  <c:v>1.6005354395659546E-4</c:v>
+                  <c:v>1.6005372645133505E-4</c:v>
                 </c:pt>
                 <c:pt idx="78">
                   <c:v>7.1688168894572355E-4</c:v>
@@ -2312,11 +2312,11 @@
           <c:showPercent val="0"/>
           <c:showBubbleSize val="0"/>
         </c:dLbls>
-        <c:axId val="143640832"/>
-        <c:axId val="143644288"/>
+        <c:axId val="40442048"/>
+        <c:axId val="40442624"/>
       </c:scatterChart>
       <c:valAx>
-        <c:axId val="143640832"/>
+        <c:axId val="40442048"/>
         <c:scaling>
           <c:orientation val="minMax"/>
         </c:scaling>
@@ -2353,12 +2353,12 @@
         <c:majorTickMark val="out"/>
         <c:minorTickMark val="none"/>
         <c:tickLblPos val="nextTo"/>
-        <c:crossAx val="143644288"/>
+        <c:crossAx val="40442624"/>
         <c:crossesAt val="-5.000000000000001E-2"/>
         <c:crossBetween val="midCat"/>
       </c:valAx>
       <c:valAx>
-        <c:axId val="143644288"/>
+        <c:axId val="40442624"/>
         <c:scaling>
           <c:orientation val="minMax"/>
         </c:scaling>
@@ -2392,7 +2392,7 @@
         <c:majorTickMark val="out"/>
         <c:minorTickMark val="none"/>
         <c:tickLblPos val="nextTo"/>
-        <c:crossAx val="143640832"/>
+        <c:crossAx val="40442048"/>
         <c:crosses val="autoZero"/>
         <c:crossBetween val="midCat"/>
       </c:valAx>
@@ -2614,7 +2614,7 @@
           <a:p>
             <a:fld id="{DC37BFD8-13D1-4150-8DEF-A5971396FE3B}" type="datetimeFigureOut">
               <a:rPr lang="en-US" smtClean="0"/>
-              <a:t>2/6/2015</a:t>
+              <a:t>2/16/2015</a:t>
             </a:fld>
             <a:endParaRPr lang="en-US"/>
           </a:p>
@@ -2784,7 +2784,7 @@
           <a:p>
             <a:fld id="{DC37BFD8-13D1-4150-8DEF-A5971396FE3B}" type="datetimeFigureOut">
               <a:rPr lang="en-US" smtClean="0"/>
-              <a:t>2/6/2015</a:t>
+              <a:t>2/16/2015</a:t>
             </a:fld>
             <a:endParaRPr lang="en-US"/>
           </a:p>
@@ -2964,7 +2964,7 @@
           <a:p>
             <a:fld id="{DC37BFD8-13D1-4150-8DEF-A5971396FE3B}" type="datetimeFigureOut">
               <a:rPr lang="en-US" smtClean="0"/>
-              <a:t>2/6/2015</a:t>
+              <a:t>2/16/2015</a:t>
             </a:fld>
             <a:endParaRPr lang="en-US"/>
           </a:p>
@@ -3134,7 +3134,7 @@
           <a:p>
             <a:fld id="{DC37BFD8-13D1-4150-8DEF-A5971396FE3B}" type="datetimeFigureOut">
               <a:rPr lang="en-US" smtClean="0"/>
-              <a:t>2/6/2015</a:t>
+              <a:t>2/16/2015</a:t>
             </a:fld>
             <a:endParaRPr lang="en-US"/>
           </a:p>
@@ -3380,7 +3380,7 @@
           <a:p>
             <a:fld id="{DC37BFD8-13D1-4150-8DEF-A5971396FE3B}" type="datetimeFigureOut">
               <a:rPr lang="en-US" smtClean="0"/>
-              <a:t>2/6/2015</a:t>
+              <a:t>2/16/2015</a:t>
             </a:fld>
             <a:endParaRPr lang="en-US"/>
           </a:p>
@@ -3668,7 +3668,7 @@
           <a:p>
             <a:fld id="{DC37BFD8-13D1-4150-8DEF-A5971396FE3B}" type="datetimeFigureOut">
               <a:rPr lang="en-US" smtClean="0"/>
-              <a:t>2/6/2015</a:t>
+              <a:t>2/16/2015</a:t>
             </a:fld>
             <a:endParaRPr lang="en-US"/>
           </a:p>
@@ -4090,7 +4090,7 @@
           <a:p>
             <a:fld id="{DC37BFD8-13D1-4150-8DEF-A5971396FE3B}" type="datetimeFigureOut">
               <a:rPr lang="en-US" smtClean="0"/>
-              <a:t>2/6/2015</a:t>
+              <a:t>2/16/2015</a:t>
             </a:fld>
             <a:endParaRPr lang="en-US"/>
           </a:p>
@@ -4208,7 +4208,7 @@
           <a:p>
             <a:fld id="{DC37BFD8-13D1-4150-8DEF-A5971396FE3B}" type="datetimeFigureOut">
               <a:rPr lang="en-US" smtClean="0"/>
-              <a:t>2/6/2015</a:t>
+              <a:t>2/16/2015</a:t>
             </a:fld>
             <a:endParaRPr lang="en-US"/>
           </a:p>
@@ -4303,7 +4303,7 @@
           <a:p>
             <a:fld id="{DC37BFD8-13D1-4150-8DEF-A5971396FE3B}" type="datetimeFigureOut">
               <a:rPr lang="en-US" smtClean="0"/>
-              <a:t>2/6/2015</a:t>
+              <a:t>2/16/2015</a:t>
             </a:fld>
             <a:endParaRPr lang="en-US"/>
           </a:p>
@@ -4580,7 +4580,7 @@
           <a:p>
             <a:fld id="{DC37BFD8-13D1-4150-8DEF-A5971396FE3B}" type="datetimeFigureOut">
               <a:rPr lang="en-US" smtClean="0"/>
-              <a:t>2/6/2015</a:t>
+              <a:t>2/16/2015</a:t>
             </a:fld>
             <a:endParaRPr lang="en-US"/>
           </a:p>
@@ -4833,7 +4833,7 @@
           <a:p>
             <a:fld id="{DC37BFD8-13D1-4150-8DEF-A5971396FE3B}" type="datetimeFigureOut">
               <a:rPr lang="en-US" smtClean="0"/>
-              <a:t>2/6/2015</a:t>
+              <a:t>2/16/2015</a:t>
             </a:fld>
             <a:endParaRPr lang="en-US"/>
           </a:p>
@@ -5046,7 +5046,7 @@
           <a:p>
             <a:fld id="{DC37BFD8-13D1-4150-8DEF-A5971396FE3B}" type="datetimeFigureOut">
               <a:rPr lang="en-US" smtClean="0"/>
-              <a:t>2/6/2015</a:t>
+              <a:t>2/16/2015</a:t>
             </a:fld>
             <a:endParaRPr lang="en-US"/>
           </a:p>
@@ -5430,7 +5430,7 @@
           <p:nvPr>
             <p:extLst>
               <p:ext uri="{D42A27DB-BD31-4B8C-83A1-F6EECF244321}">
-                <p14:modId xmlns:p14="http://schemas.microsoft.com/office/powerpoint/2010/main" val="4074822373"/>
+                <p14:modId xmlns:p14="http://schemas.microsoft.com/office/powerpoint/2010/main" val="911684053"/>
               </p:ext>
             </p:extLst>
           </p:nvPr>
